--- a/homepage2022/Document/강의/2학기/11주차/11주차 수업자료.pptx
+++ b/homepage2022/Document/강의/2학기/11주차/11주차 수업자료.pptx
@@ -15,7 +15,8 @@
     <p:sldId id="290" r:id="rId9"/>
     <p:sldId id="291" r:id="rId10"/>
     <p:sldId id="285" r:id="rId11"/>
-    <p:sldId id="284" r:id="rId12"/>
+    <p:sldId id="292" r:id="rId12"/>
+    <p:sldId id="284" r:id="rId13"/>
   </p:sldIdLst>
   <p:sldSz cx="12192000" cy="6858000"/>
   <p:notesSz cx="6858000" cy="9144000"/>
@@ -129,6 +130,7 @@
             <p14:sldId id="290"/>
             <p14:sldId id="291"/>
             <p14:sldId id="285"/>
+            <p14:sldId id="292"/>
             <p14:sldId id="284"/>
           </p14:sldIdLst>
         </p14:section>
@@ -288,7 +290,7 @@
           <a:p>
             <a:fld id="{075B44BF-B9BC-47EE-A280-23436178F2B8}" type="datetimeFigureOut">
               <a:rPr lang="ko-KR" altLang="en-US" smtClean="0"/>
-              <a:t>2022-10-24</a:t>
+              <a:t>2022-11-01</a:t>
             </a:fld>
             <a:endParaRPr lang="ko-KR" altLang="en-US"/>
           </a:p>
@@ -486,7 +488,7 @@
           <a:p>
             <a:fld id="{075B44BF-B9BC-47EE-A280-23436178F2B8}" type="datetimeFigureOut">
               <a:rPr lang="ko-KR" altLang="en-US" smtClean="0"/>
-              <a:t>2022-10-24</a:t>
+              <a:t>2022-11-01</a:t>
             </a:fld>
             <a:endParaRPr lang="ko-KR" altLang="en-US"/>
           </a:p>
@@ -694,7 +696,7 @@
           <a:p>
             <a:fld id="{075B44BF-B9BC-47EE-A280-23436178F2B8}" type="datetimeFigureOut">
               <a:rPr lang="ko-KR" altLang="en-US" smtClean="0"/>
-              <a:t>2022-10-24</a:t>
+              <a:t>2022-11-01</a:t>
             </a:fld>
             <a:endParaRPr lang="ko-KR" altLang="en-US"/>
           </a:p>
@@ -892,7 +894,7 @@
           <a:p>
             <a:fld id="{075B44BF-B9BC-47EE-A280-23436178F2B8}" type="datetimeFigureOut">
               <a:rPr lang="ko-KR" altLang="en-US" smtClean="0"/>
-              <a:t>2022-10-24</a:t>
+              <a:t>2022-11-01</a:t>
             </a:fld>
             <a:endParaRPr lang="ko-KR" altLang="en-US"/>
           </a:p>
@@ -1167,7 +1169,7 @@
           <a:p>
             <a:fld id="{075B44BF-B9BC-47EE-A280-23436178F2B8}" type="datetimeFigureOut">
               <a:rPr lang="ko-KR" altLang="en-US" smtClean="0"/>
-              <a:t>2022-10-24</a:t>
+              <a:t>2022-11-01</a:t>
             </a:fld>
             <a:endParaRPr lang="ko-KR" altLang="en-US"/>
           </a:p>
@@ -1432,7 +1434,7 @@
           <a:p>
             <a:fld id="{075B44BF-B9BC-47EE-A280-23436178F2B8}" type="datetimeFigureOut">
               <a:rPr lang="ko-KR" altLang="en-US" smtClean="0"/>
-              <a:t>2022-10-24</a:t>
+              <a:t>2022-11-01</a:t>
             </a:fld>
             <a:endParaRPr lang="ko-KR" altLang="en-US"/>
           </a:p>
@@ -1844,7 +1846,7 @@
           <a:p>
             <a:fld id="{075B44BF-B9BC-47EE-A280-23436178F2B8}" type="datetimeFigureOut">
               <a:rPr lang="ko-KR" altLang="en-US" smtClean="0"/>
-              <a:t>2022-10-24</a:t>
+              <a:t>2022-11-01</a:t>
             </a:fld>
             <a:endParaRPr lang="ko-KR" altLang="en-US"/>
           </a:p>
@@ -1985,7 +1987,7 @@
           <a:p>
             <a:fld id="{075B44BF-B9BC-47EE-A280-23436178F2B8}" type="datetimeFigureOut">
               <a:rPr lang="ko-KR" altLang="en-US" smtClean="0"/>
-              <a:t>2022-10-24</a:t>
+              <a:t>2022-11-01</a:t>
             </a:fld>
             <a:endParaRPr lang="ko-KR" altLang="en-US"/>
           </a:p>
@@ -2098,7 +2100,7 @@
           <a:p>
             <a:fld id="{075B44BF-B9BC-47EE-A280-23436178F2B8}" type="datetimeFigureOut">
               <a:rPr lang="ko-KR" altLang="en-US" smtClean="0"/>
-              <a:t>2022-10-24</a:t>
+              <a:t>2022-11-01</a:t>
             </a:fld>
             <a:endParaRPr lang="ko-KR" altLang="en-US"/>
           </a:p>
@@ -2409,7 +2411,7 @@
           <a:p>
             <a:fld id="{075B44BF-B9BC-47EE-A280-23436178F2B8}" type="datetimeFigureOut">
               <a:rPr lang="ko-KR" altLang="en-US" smtClean="0"/>
-              <a:t>2022-10-24</a:t>
+              <a:t>2022-11-01</a:t>
             </a:fld>
             <a:endParaRPr lang="ko-KR" altLang="en-US"/>
           </a:p>
@@ -2697,7 +2699,7 @@
           <a:p>
             <a:fld id="{075B44BF-B9BC-47EE-A280-23436178F2B8}" type="datetimeFigureOut">
               <a:rPr lang="ko-KR" altLang="en-US" smtClean="0"/>
-              <a:t>2022-10-24</a:t>
+              <a:t>2022-11-01</a:t>
             </a:fld>
             <a:endParaRPr lang="ko-KR" altLang="en-US"/>
           </a:p>
@@ -2938,7 +2940,7 @@
           <a:p>
             <a:fld id="{075B44BF-B9BC-47EE-A280-23436178F2B8}" type="datetimeFigureOut">
               <a:rPr lang="ko-KR" altLang="en-US" smtClean="0"/>
-              <a:t>2022-10-24</a:t>
+              <a:t>2022-11-01</a:t>
             </a:fld>
             <a:endParaRPr lang="ko-KR" altLang="en-US"/>
           </a:p>
@@ -4772,6 +4774,71 @@
 </file>
 
 <file path=ppt/slides/slide11.xml><?xml version="1.0" encoding="utf-8"?>
+<p:sld xmlns:a="http://schemas.openxmlformats.org/drawingml/2006/main" xmlns:r="http://schemas.openxmlformats.org/officeDocument/2006/relationships" xmlns:p="http://schemas.openxmlformats.org/presentationml/2006/main">
+  <p:cSld>
+    <p:spTree>
+      <p:nvGrpSpPr>
+        <p:cNvPr id="1" name=""/>
+        <p:cNvGrpSpPr/>
+        <p:nvPr/>
+      </p:nvGrpSpPr>
+      <p:grpSpPr>
+        <a:xfrm>
+          <a:off x="0" y="0"/>
+          <a:ext cx="0" cy="0"/>
+          <a:chOff x="0" y="0"/>
+          <a:chExt cx="0" cy="0"/>
+        </a:xfrm>
+      </p:grpSpPr>
+      <p:pic>
+        <p:nvPicPr>
+          <p:cNvPr id="4" name="그림 3">
+            <a:extLst>
+              <a:ext uri="{FF2B5EF4-FFF2-40B4-BE49-F238E27FC236}">
+                <a16:creationId xmlns:a16="http://schemas.microsoft.com/office/drawing/2014/main" id="{03BE5770-2AFB-4EB0-B401-4CDD549E553F}"/>
+              </a:ext>
+            </a:extLst>
+          </p:cNvPr>
+          <p:cNvPicPr>
+            <a:picLocks noChangeAspect="1"/>
+          </p:cNvPicPr>
+          <p:nvPr/>
+        </p:nvPicPr>
+        <p:blipFill>
+          <a:blip r:embed="rId2"/>
+          <a:stretch>
+            <a:fillRect/>
+          </a:stretch>
+        </p:blipFill>
+        <p:spPr>
+          <a:xfrm>
+            <a:off x="285690" y="0"/>
+            <a:ext cx="3831285" cy="6858000"/>
+          </a:xfrm>
+          <a:prstGeom prst="rect">
+            <a:avLst/>
+          </a:prstGeom>
+          <a:ln>
+            <a:solidFill>
+              <a:schemeClr val="tx1"/>
+            </a:solidFill>
+          </a:ln>
+        </p:spPr>
+      </p:pic>
+    </p:spTree>
+    <p:extLst>
+      <p:ext uri="{BB962C8B-B14F-4D97-AF65-F5344CB8AC3E}">
+        <p14:creationId xmlns:p14="http://schemas.microsoft.com/office/powerpoint/2010/main" val="3310922930"/>
+      </p:ext>
+    </p:extLst>
+  </p:cSld>
+  <p:clrMapOvr>
+    <a:masterClrMapping/>
+  </p:clrMapOvr>
+</p:sld>
+</file>
+
+<file path=ppt/slides/slide12.xml><?xml version="1.0" encoding="utf-8"?>
 <p:sld xmlns:a="http://schemas.openxmlformats.org/drawingml/2006/main" xmlns:r="http://schemas.openxmlformats.org/officeDocument/2006/relationships" xmlns:p="http://schemas.openxmlformats.org/presentationml/2006/main">
   <p:cSld>
     <p:spTree>
